--- a/slide/themes/src/04_official.pptx
+++ b/slide/themes/src/04_official.pptx
@@ -6258,7 +6258,7 @@
 <file path=ppt/theme/theme1.xml><?xml version="1.0" encoding="utf-8"?>
 <a:theme xmlns:a="http://schemas.openxmlformats.org/drawingml/2006/main" name="Official">
   <a:themeElements>
-    <a:clrScheme name="Углы">
+    <a:clrScheme name="Official">
       <a:dk1>
         <a:srgbClr val="000000"/>
       </a:dk1>
